--- a/OtherConcepts_Neuroimaging/FreesurferNeuroImaging.pptx
+++ b/OtherConcepts_Neuroimaging/FreesurferNeuroImaging.pptx
@@ -112,6 +112,11 @@
       </a:defRPr>
     </a:lvl9pPr>
   </p:defaultTextStyle>
+  <p:extLst>
+    <p:ext uri="{EFAFB233-063F-42B5-8137-9DF3F51BA10A}">
+      <p15:sldGuideLst xmlns:p15="http://schemas.microsoft.com/office/powerpoint/2012/main"/>
+    </p:ext>
+  </p:extLst>
 </p:presentation>
 </file>
 
@@ -264,7 +269,7 @@
           <a:p>
             <a:fld id="{259B92CD-2CA0-8A48-8EBB-8A10DBEF9742}" type="datetimeFigureOut">
               <a:rPr lang="en-US" smtClean="0"/>
-              <a:t>10/2/23</a:t>
+              <a:t>10/9/23</a:t>
             </a:fld>
             <a:endParaRPr lang="en-US"/>
           </a:p>
@@ -464,7 +469,7 @@
           <a:p>
             <a:fld id="{259B92CD-2CA0-8A48-8EBB-8A10DBEF9742}" type="datetimeFigureOut">
               <a:rPr lang="en-US" smtClean="0"/>
-              <a:t>10/2/23</a:t>
+              <a:t>10/9/23</a:t>
             </a:fld>
             <a:endParaRPr lang="en-US"/>
           </a:p>
@@ -674,7 +679,7 @@
           <a:p>
             <a:fld id="{259B92CD-2CA0-8A48-8EBB-8A10DBEF9742}" type="datetimeFigureOut">
               <a:rPr lang="en-US" smtClean="0"/>
-              <a:t>10/2/23</a:t>
+              <a:t>10/9/23</a:t>
             </a:fld>
             <a:endParaRPr lang="en-US"/>
           </a:p>
@@ -874,7 +879,7 @@
           <a:p>
             <a:fld id="{259B92CD-2CA0-8A48-8EBB-8A10DBEF9742}" type="datetimeFigureOut">
               <a:rPr lang="en-US" smtClean="0"/>
-              <a:t>10/2/23</a:t>
+              <a:t>10/9/23</a:t>
             </a:fld>
             <a:endParaRPr lang="en-US"/>
           </a:p>
@@ -1150,7 +1155,7 @@
           <a:p>
             <a:fld id="{259B92CD-2CA0-8A48-8EBB-8A10DBEF9742}" type="datetimeFigureOut">
               <a:rPr lang="en-US" smtClean="0"/>
-              <a:t>10/2/23</a:t>
+              <a:t>10/9/23</a:t>
             </a:fld>
             <a:endParaRPr lang="en-US"/>
           </a:p>
@@ -1418,7 +1423,7 @@
           <a:p>
             <a:fld id="{259B92CD-2CA0-8A48-8EBB-8A10DBEF9742}" type="datetimeFigureOut">
               <a:rPr lang="en-US" smtClean="0"/>
-              <a:t>10/2/23</a:t>
+              <a:t>10/9/23</a:t>
             </a:fld>
             <a:endParaRPr lang="en-US"/>
           </a:p>
@@ -1833,7 +1838,7 @@
           <a:p>
             <a:fld id="{259B92CD-2CA0-8A48-8EBB-8A10DBEF9742}" type="datetimeFigureOut">
               <a:rPr lang="en-US" smtClean="0"/>
-              <a:t>10/2/23</a:t>
+              <a:t>10/9/23</a:t>
             </a:fld>
             <a:endParaRPr lang="en-US"/>
           </a:p>
@@ -1975,7 +1980,7 @@
           <a:p>
             <a:fld id="{259B92CD-2CA0-8A48-8EBB-8A10DBEF9742}" type="datetimeFigureOut">
               <a:rPr lang="en-US" smtClean="0"/>
-              <a:t>10/2/23</a:t>
+              <a:t>10/9/23</a:t>
             </a:fld>
             <a:endParaRPr lang="en-US"/>
           </a:p>
@@ -2088,7 +2093,7 @@
           <a:p>
             <a:fld id="{259B92CD-2CA0-8A48-8EBB-8A10DBEF9742}" type="datetimeFigureOut">
               <a:rPr lang="en-US" smtClean="0"/>
-              <a:t>10/2/23</a:t>
+              <a:t>10/9/23</a:t>
             </a:fld>
             <a:endParaRPr lang="en-US"/>
           </a:p>
@@ -2401,7 +2406,7 @@
           <a:p>
             <a:fld id="{259B92CD-2CA0-8A48-8EBB-8A10DBEF9742}" type="datetimeFigureOut">
               <a:rPr lang="en-US" smtClean="0"/>
-              <a:t>10/2/23</a:t>
+              <a:t>10/9/23</a:t>
             </a:fld>
             <a:endParaRPr lang="en-US"/>
           </a:p>
@@ -2690,7 +2695,7 @@
           <a:p>
             <a:fld id="{259B92CD-2CA0-8A48-8EBB-8A10DBEF9742}" type="datetimeFigureOut">
               <a:rPr lang="en-US" smtClean="0"/>
-              <a:t>10/2/23</a:t>
+              <a:t>10/9/23</a:t>
             </a:fld>
             <a:endParaRPr lang="en-US"/>
           </a:p>
@@ -2933,7 +2938,7 @@
           <a:p>
             <a:fld id="{259B92CD-2CA0-8A48-8EBB-8A10DBEF9742}" type="datetimeFigureOut">
               <a:rPr lang="en-US" smtClean="0"/>
-              <a:t>10/2/23</a:t>
+              <a:t>10/9/23</a:t>
             </a:fld>
             <a:endParaRPr lang="en-US"/>
           </a:p>
@@ -3505,15 +3510,10 @@
           </a:p>
           <a:p>
             <a:r>
-              <a:rPr lang="en-US" dirty="0"/>
+              <a:rPr lang="en-US"/>
               <a:t>Run pre-processing</a:t>
             </a:r>
-          </a:p>
-          <a:p>
-            <a:r>
-              <a:rPr lang="en-US" dirty="0"/>
-              <a:t> </a:t>
-            </a:r>
+            <a:endParaRPr lang="en-US" dirty="0"/>
           </a:p>
           <a:p>
             <a:endParaRPr lang="en-US" dirty="0"/>
